--- a/Slides/Lesson 7.3 When do I need an invariant.pptx
+++ b/Slides/Lesson 7.3 When do I need an invariant.pptx
@@ -227,7 +227,7 @@
           <a:p>
             <a:fld id="{7CCEC190-264F-4177-B826-2198B6EDA822}" type="datetimeFigureOut">
               <a:rPr lang="en-US" smtClean="0"/>
-              <a:t>10/5/2016</a:t>
+              <a:t>10/15/2016</a:t>
             </a:fld>
             <a:endParaRPr lang="en-US"/>
           </a:p>
@@ -931,7 +931,7 @@
           <a:p>
             <a:fld id="{2F1F79F5-7BEC-496A-AFC7-876E38F64D71}" type="datetime1">
               <a:rPr lang="en-US" smtClean="0"/>
-              <a:t>10/5/2016</a:t>
+              <a:t>10/15/2016</a:t>
             </a:fld>
             <a:endParaRPr lang="en-US"/>
           </a:p>
@@ -1026,7 +1026,7 @@
           <a:p>
             <a:fld id="{0A05703A-7669-4FEA-9056-25299B4D29D4}" type="datetime1">
               <a:rPr lang="en-US" smtClean="0"/>
-              <a:t>10/5/2016</a:t>
+              <a:t>10/15/2016</a:t>
             </a:fld>
             <a:endParaRPr lang="en-US"/>
           </a:p>
@@ -1301,7 +1301,7 @@
           <a:p>
             <a:fld id="{6E5077B5-BB57-49DB-88CA-226A139E5C01}" type="datetime1">
               <a:rPr lang="en-US" smtClean="0"/>
-              <a:t>10/5/2016</a:t>
+              <a:t>10/15/2016</a:t>
             </a:fld>
             <a:endParaRPr lang="en-US"/>
           </a:p>
@@ -1553,7 +1553,7 @@
           <a:p>
             <a:fld id="{C48D9447-CBD6-49A1-89FD-8512A8CF8999}" type="datetime1">
               <a:rPr lang="en-US" smtClean="0"/>
-              <a:t>10/5/2016</a:t>
+              <a:t>10/15/2016</a:t>
             </a:fld>
             <a:endParaRPr lang="en-US"/>
           </a:p>
@@ -1721,7 +1721,7 @@
           <a:p>
             <a:fld id="{A3639A2A-823D-48B7-9ACE-7FAF42870BA9}" type="datetime1">
               <a:rPr lang="en-US" smtClean="0"/>
-              <a:t>10/5/2016</a:t>
+              <a:t>10/15/2016</a:t>
             </a:fld>
             <a:endParaRPr lang="en-US"/>
           </a:p>
@@ -1899,7 +1899,7 @@
           <a:p>
             <a:fld id="{ED1B6996-82E9-463C-972C-7B56056E426C}" type="datetime1">
               <a:rPr lang="en-US" smtClean="0"/>
-              <a:t>10/5/2016</a:t>
+              <a:t>10/15/2016</a:t>
             </a:fld>
             <a:endParaRPr lang="en-US"/>
           </a:p>
@@ -2073,7 +2073,7 @@
           <a:p>
             <a:fld id="{E22ED4DA-448D-4BB1-B935-CC112220207B}" type="datetime1">
               <a:rPr lang="en-US" smtClean="0"/>
-              <a:t>10/5/2016</a:t>
+              <a:t>10/15/2016</a:t>
             </a:fld>
             <a:endParaRPr lang="en-US"/>
           </a:p>
@@ -2246,7 +2246,7 @@
           <a:p>
             <a:fld id="{E22ED4DA-448D-4BB1-B935-CC112220207B}" type="datetime1">
               <a:rPr lang="en-US" smtClean="0"/>
-              <a:t>10/5/2016</a:t>
+              <a:t>10/15/2016</a:t>
             </a:fld>
             <a:endParaRPr lang="en-US"/>
           </a:p>
@@ -2506,7 +2506,7 @@
           <a:p>
             <a:fld id="{FF5D65A6-AB94-4435-B0B7-3743215FA46C}" type="datetime1">
               <a:rPr lang="en-US" smtClean="0"/>
-              <a:t>10/5/2016</a:t>
+              <a:t>10/15/2016</a:t>
             </a:fld>
             <a:endParaRPr lang="en-US"/>
           </a:p>
@@ -2682,7 +2682,7 @@
           <a:p>
             <a:fld id="{FF5D65A6-AB94-4435-B0B7-3743215FA46C}" type="datetime1">
               <a:rPr lang="en-US" smtClean="0"/>
-              <a:t>10/5/2016</a:t>
+              <a:t>10/15/2016</a:t>
             </a:fld>
             <a:endParaRPr lang="en-US"/>
           </a:p>
@@ -2976,7 +2976,7 @@
           <a:p>
             <a:fld id="{7C193DC4-6EF0-48C9-B29C-616106A645E1}" type="datetime1">
               <a:rPr lang="en-US" smtClean="0"/>
-              <a:t>10/5/2016</a:t>
+              <a:t>10/15/2016</a:t>
             </a:fld>
             <a:endParaRPr lang="en-US"/>
           </a:p>
@@ -3261,7 +3261,7 @@
           <a:p>
             <a:fld id="{5D1846AD-9252-4647-9435-4C2AC365653A}" type="datetime1">
               <a:rPr lang="en-US" smtClean="0"/>
-              <a:t>10/5/2016</a:t>
+              <a:t>10/15/2016</a:t>
             </a:fld>
             <a:endParaRPr lang="en-US"/>
           </a:p>
@@ -3680,7 +3680,7 @@
           <a:p>
             <a:fld id="{CE56DC10-3561-4063-A6AF-C1CC7A41040A}" type="datetime1">
               <a:rPr lang="en-US" smtClean="0"/>
-              <a:t>10/5/2016</a:t>
+              <a:t>10/15/2016</a:t>
             </a:fld>
             <a:endParaRPr lang="en-US"/>
           </a:p>
@@ -3797,7 +3797,7 @@
           <a:p>
             <a:fld id="{2F7B77F5-1464-4F6B-92A8-64FC8A508293}" type="datetime1">
               <a:rPr lang="en-US" smtClean="0"/>
-              <a:t>10/5/2016</a:t>
+              <a:t>10/15/2016</a:t>
             </a:fld>
             <a:endParaRPr lang="en-US"/>
           </a:p>
@@ -4020,7 +4020,7 @@
           <a:p>
             <a:fld id="{02B3F677-983B-48DB-ADFD-63FE6CBC7FB2}" type="datetime1">
               <a:rPr lang="en-US" smtClean="0"/>
-              <a:t>10/5/2016</a:t>
+              <a:t>10/15/2016</a:t>
             </a:fld>
             <a:endParaRPr lang="en-US"/>
           </a:p>
@@ -5164,7 +5164,13 @@
             <a:prstGeom prst="rect">
               <a:avLst/>
             </a:prstGeom>
+            <a:solidFill>
+              <a:srgbClr val="FF0000">
+                <a:alpha val="26000"/>
+              </a:srgbClr>
+            </a:solidFill>
             <a:ln>
+              <a:noFill/>
               <a:tailEnd type="stealth" w="lg" len="lg"/>
             </a:ln>
           </p:spPr>
@@ -5191,10 +5197,9 @@
             </a:bodyPr>
             <a:lstStyle/>
             <a:p>
-              <a:pPr algn="ctr"/>
               <a:r>
-                <a:rPr lang="en-US" sz="2800" dirty="0"/>
-                <a:t>Yuck: you have to recalculate the length of list every time through</a:t>
+                <a:rPr lang="en-US" sz="2000" dirty="0"/>
+                <a:t>Yuck! You have to recalculate the length of list every time through (repeated computation might be slow!)</a:t>
               </a:r>
             </a:p>
           </p:txBody>
@@ -5590,7 +5595,14 @@
           <a:prstGeom prst="rect">
             <a:avLst/>
           </a:prstGeom>
+          <a:solidFill>
+            <a:schemeClr val="accent2">
+              <a:lumMod val="40000"/>
+              <a:lumOff val="60000"/>
+            </a:schemeClr>
+          </a:solidFill>
           <a:ln>
+            <a:noFill/>
             <a:tailEnd type="stealth" w="lg" len="lg"/>
           </a:ln>
         </p:spPr>
@@ -6861,6 +6873,15 @@
           <a:prstGeom prst="rect">
             <a:avLst/>
           </a:prstGeom>
+          <a:solidFill>
+            <a:schemeClr val="accent3">
+              <a:lumMod val="40000"/>
+              <a:lumOff val="60000"/>
+            </a:schemeClr>
+          </a:solidFill>
+          <a:ln>
+            <a:noFill/>
+          </a:ln>
         </p:spPr>
         <p:style>
           <a:lnRef idx="1">
@@ -6902,6 +6923,15 @@
           <a:prstGeom prst="rect">
             <a:avLst/>
           </a:prstGeom>
+          <a:solidFill>
+            <a:schemeClr val="accent3">
+              <a:lumMod val="40000"/>
+              <a:lumOff val="60000"/>
+            </a:schemeClr>
+          </a:solidFill>
+          <a:ln>
+            <a:noFill/>
+          </a:ln>
         </p:spPr>
         <p:style>
           <a:lnRef idx="1">
@@ -7412,6 +7442,12 @@
           <a:prstGeom prst="rect">
             <a:avLst/>
           </a:prstGeom>
+          <a:solidFill>
+            <a:schemeClr val="accent3">
+              <a:lumMod val="40000"/>
+              <a:lumOff val="60000"/>
+            </a:schemeClr>
+          </a:solidFill>
         </p:spPr>
         <p:style>
           <a:lnRef idx="1">
@@ -8073,6 +8109,12 @@
           <a:prstGeom prst="rect">
             <a:avLst/>
           </a:prstGeom>
+          <a:solidFill>
+            <a:schemeClr val="accent3">
+              <a:lumMod val="40000"/>
+              <a:lumOff val="60000"/>
+            </a:schemeClr>
+          </a:solidFill>
         </p:spPr>
         <p:style>
           <a:lnRef idx="1">
@@ -8127,6 +8169,12 @@
           <a:prstGeom prst="rect">
             <a:avLst/>
           </a:prstGeom>
+          <a:solidFill>
+            <a:schemeClr val="accent3">
+              <a:lumMod val="40000"/>
+              <a:lumOff val="60000"/>
+            </a:schemeClr>
+          </a:solidFill>
         </p:spPr>
         <p:style>
           <a:lnRef idx="1">

--- a/Slides/Lesson 7.3 When do I need an invariant.pptx
+++ b/Slides/Lesson 7.3 When do I need an invariant.pptx
@@ -227,7 +227,7 @@
           <a:p>
             <a:fld id="{7CCEC190-264F-4177-B826-2198B6EDA822}" type="datetimeFigureOut">
               <a:rPr lang="en-US" smtClean="0"/>
-              <a:t>10/15/2016</a:t>
+              <a:t>10/23/2016</a:t>
             </a:fld>
             <a:endParaRPr lang="en-US"/>
           </a:p>
@@ -931,7 +931,7 @@
           <a:p>
             <a:fld id="{2F1F79F5-7BEC-496A-AFC7-876E38F64D71}" type="datetime1">
               <a:rPr lang="en-US" smtClean="0"/>
-              <a:t>10/15/2016</a:t>
+              <a:t>10/23/2016</a:t>
             </a:fld>
             <a:endParaRPr lang="en-US"/>
           </a:p>
@@ -1026,7 +1026,7 @@
           <a:p>
             <a:fld id="{0A05703A-7669-4FEA-9056-25299B4D29D4}" type="datetime1">
               <a:rPr lang="en-US" smtClean="0"/>
-              <a:t>10/15/2016</a:t>
+              <a:t>10/23/2016</a:t>
             </a:fld>
             <a:endParaRPr lang="en-US"/>
           </a:p>
@@ -1301,7 +1301,7 @@
           <a:p>
             <a:fld id="{6E5077B5-BB57-49DB-88CA-226A139E5C01}" type="datetime1">
               <a:rPr lang="en-US" smtClean="0"/>
-              <a:t>10/15/2016</a:t>
+              <a:t>10/23/2016</a:t>
             </a:fld>
             <a:endParaRPr lang="en-US"/>
           </a:p>
@@ -1553,7 +1553,7 @@
           <a:p>
             <a:fld id="{C48D9447-CBD6-49A1-89FD-8512A8CF8999}" type="datetime1">
               <a:rPr lang="en-US" smtClean="0"/>
-              <a:t>10/15/2016</a:t>
+              <a:t>10/23/2016</a:t>
             </a:fld>
             <a:endParaRPr lang="en-US"/>
           </a:p>
@@ -1721,7 +1721,7 @@
           <a:p>
             <a:fld id="{A3639A2A-823D-48B7-9ACE-7FAF42870BA9}" type="datetime1">
               <a:rPr lang="en-US" smtClean="0"/>
-              <a:t>10/15/2016</a:t>
+              <a:t>10/23/2016</a:t>
             </a:fld>
             <a:endParaRPr lang="en-US"/>
           </a:p>
@@ -1899,7 +1899,7 @@
           <a:p>
             <a:fld id="{ED1B6996-82E9-463C-972C-7B56056E426C}" type="datetime1">
               <a:rPr lang="en-US" smtClean="0"/>
-              <a:t>10/15/2016</a:t>
+              <a:t>10/23/2016</a:t>
             </a:fld>
             <a:endParaRPr lang="en-US"/>
           </a:p>
@@ -2073,7 +2073,7 @@
           <a:p>
             <a:fld id="{E22ED4DA-448D-4BB1-B935-CC112220207B}" type="datetime1">
               <a:rPr lang="en-US" smtClean="0"/>
-              <a:t>10/15/2016</a:t>
+              <a:t>10/23/2016</a:t>
             </a:fld>
             <a:endParaRPr lang="en-US"/>
           </a:p>
@@ -2246,7 +2246,7 @@
           <a:p>
             <a:fld id="{E22ED4DA-448D-4BB1-B935-CC112220207B}" type="datetime1">
               <a:rPr lang="en-US" smtClean="0"/>
-              <a:t>10/15/2016</a:t>
+              <a:t>10/23/2016</a:t>
             </a:fld>
             <a:endParaRPr lang="en-US"/>
           </a:p>
@@ -2506,7 +2506,7 @@
           <a:p>
             <a:fld id="{FF5D65A6-AB94-4435-B0B7-3743215FA46C}" type="datetime1">
               <a:rPr lang="en-US" smtClean="0"/>
-              <a:t>10/15/2016</a:t>
+              <a:t>10/23/2016</a:t>
             </a:fld>
             <a:endParaRPr lang="en-US"/>
           </a:p>
@@ -2682,7 +2682,7 @@
           <a:p>
             <a:fld id="{FF5D65A6-AB94-4435-B0B7-3743215FA46C}" type="datetime1">
               <a:rPr lang="en-US" smtClean="0"/>
-              <a:t>10/15/2016</a:t>
+              <a:t>10/23/2016</a:t>
             </a:fld>
             <a:endParaRPr lang="en-US"/>
           </a:p>
@@ -2976,7 +2976,7 @@
           <a:p>
             <a:fld id="{7C193DC4-6EF0-48C9-B29C-616106A645E1}" type="datetime1">
               <a:rPr lang="en-US" smtClean="0"/>
-              <a:t>10/15/2016</a:t>
+              <a:t>10/23/2016</a:t>
             </a:fld>
             <a:endParaRPr lang="en-US"/>
           </a:p>
@@ -3261,7 +3261,7 @@
           <a:p>
             <a:fld id="{5D1846AD-9252-4647-9435-4C2AC365653A}" type="datetime1">
               <a:rPr lang="en-US" smtClean="0"/>
-              <a:t>10/15/2016</a:t>
+              <a:t>10/23/2016</a:t>
             </a:fld>
             <a:endParaRPr lang="en-US"/>
           </a:p>
@@ -3680,7 +3680,7 @@
           <a:p>
             <a:fld id="{CE56DC10-3561-4063-A6AF-C1CC7A41040A}" type="datetime1">
               <a:rPr lang="en-US" smtClean="0"/>
-              <a:t>10/15/2016</a:t>
+              <a:t>10/23/2016</a:t>
             </a:fld>
             <a:endParaRPr lang="en-US"/>
           </a:p>
@@ -3797,7 +3797,7 @@
           <a:p>
             <a:fld id="{2F7B77F5-1464-4F6B-92A8-64FC8A508293}" type="datetime1">
               <a:rPr lang="en-US" smtClean="0"/>
-              <a:t>10/15/2016</a:t>
+              <a:t>10/23/2016</a:t>
             </a:fld>
             <a:endParaRPr lang="en-US"/>
           </a:p>
@@ -4020,7 +4020,7 @@
           <a:p>
             <a:fld id="{02B3F677-983B-48DB-ADFD-63FE6CBC7FB2}" type="datetime1">
               <a:rPr lang="en-US" smtClean="0"/>
-              <a:t>10/15/2016</a:t>
+              <a:t>10/23/2016</a:t>
             </a:fld>
             <a:endParaRPr lang="en-US"/>
           </a:p>
@@ -6453,7 +6453,7 @@
           <a:p>
             <a:r>
               <a:rPr lang="en-US" dirty="0"/>
-              <a:t>What kind of thing belong in an invariant?</a:t>
+              <a:t>What kind of things belong in an invariant?</a:t>
             </a:r>
           </a:p>
         </p:txBody>
@@ -7645,7 +7645,21 @@
                 <a:latin typeface="Consolas" pitchFamily="49" charset="0"/>
                 <a:cs typeface="Consolas" pitchFamily="49" charset="0"/>
               </a:rPr>
-              <a:t>;; number-list-from : </a:t>
+              <a:t>;; number-</a:t>
+            </a:r>
+            <a:r>
+              <a:rPr lang="en-US" b="1">
+                <a:latin typeface="Consolas" pitchFamily="49" charset="0"/>
+                <a:cs typeface="Consolas" pitchFamily="49" charset="0"/>
+              </a:rPr>
+              <a:t>sublist </a:t>
+            </a:r>
+            <a:r>
+              <a:rPr lang="en-US" b="1" dirty="0">
+                <a:latin typeface="Consolas" pitchFamily="49" charset="0"/>
+                <a:cs typeface="Consolas" pitchFamily="49" charset="0"/>
+              </a:rPr>
+              <a:t>: </a:t>
             </a:r>
           </a:p>
           <a:p>
